--- a/Selenium TestNG.pptx
+++ b/Selenium TestNG.pptx
@@ -229,7 +229,7 @@
           <a:p>
             <a:fld id="{2B85766F-5EC0-4797-B4D1-777FCB005B11}" type="datetimeFigureOut">
               <a:rPr lang="en-US" smtClean="0"/>
-              <a:t>6/29/2019</a:t>
+              <a:t>7/1/2019</a:t>
             </a:fld>
             <a:endParaRPr lang="en-US" dirty="0"/>
           </a:p>
@@ -406,7 +406,7 @@
           <a:p>
             <a:fld id="{B2B4B5EC-152C-4627-80C0-63B10D5574EF}" type="datetimeFigureOut">
               <a:rPr lang="en-US" smtClean="0"/>
-              <a:t>6/29/2019</a:t>
+              <a:t>7/1/2019</a:t>
             </a:fld>
             <a:endParaRPr lang="en-US" dirty="0"/>
           </a:p>
@@ -1058,7 +1058,7 @@
           <a:noFill/>
           <a:extLst>
             <a:ext uri="{909E8E84-426E-40dd-AFC4-6F175D3DCCD1}">
-              <a14:hiddenFill xmlns="" xmlns:a14="http://schemas.microsoft.com/office/drawing/2010/main">
+              <a14:hiddenFill xmlns:a14="http://schemas.microsoft.com/office/drawing/2010/main" xmlns="">
                 <a:solidFill>
                   <a:srgbClr val="FFFFFF"/>
                 </a:solidFill>
@@ -1117,7 +1117,7 @@
             </a:ln>
             <a:extLst>
               <a:ext uri="{91240B29-F687-4f45-9708-019B960494DF}">
-                <a14:hiddenLine xmlns="" xmlns:a14="http://schemas.microsoft.com/office/drawing/2010/main" w="9525">
+                <a14:hiddenLine xmlns:a14="http://schemas.microsoft.com/office/drawing/2010/main" xmlns="" w="9525">
                   <a:solidFill>
                     <a:srgbClr val="000000"/>
                   </a:solidFill>
@@ -1207,7 +1207,7 @@
             </a:ln>
             <a:extLst>
               <a:ext uri="{91240B29-F687-4f45-9708-019B960494DF}">
-                <a14:hiddenLine xmlns="" xmlns:a14="http://schemas.microsoft.com/office/drawing/2010/main" w="9525">
+                <a14:hiddenLine xmlns:a14="http://schemas.microsoft.com/office/drawing/2010/main" xmlns="" w="9525">
                   <a:solidFill>
                     <a:srgbClr val="000000"/>
                   </a:solidFill>
@@ -1297,7 +1297,7 @@
             </a:ln>
             <a:extLst>
               <a:ext uri="{91240B29-F687-4f45-9708-019B960494DF}">
-                <a14:hiddenLine xmlns="" xmlns:a14="http://schemas.microsoft.com/office/drawing/2010/main" w="9525">
+                <a14:hiddenLine xmlns:a14="http://schemas.microsoft.com/office/drawing/2010/main" xmlns="" w="9525">
                   <a:solidFill>
                     <a:srgbClr val="000000"/>
                   </a:solidFill>
@@ -1331,7 +1331,7 @@
             </a:ln>
             <a:extLst>
               <a:ext uri="{91240B29-F687-4f45-9708-019B960494DF}">
-                <a14:hiddenLine xmlns="" xmlns:a14="http://schemas.microsoft.com/office/drawing/2010/main" w="9525">
+                <a14:hiddenLine xmlns:a14="http://schemas.microsoft.com/office/drawing/2010/main" xmlns="" w="9525">
                   <a:solidFill>
                     <a:srgbClr val="000000"/>
                   </a:solidFill>
@@ -1421,7 +1421,7 @@
             </a:ln>
             <a:extLst>
               <a:ext uri="{91240B29-F687-4f45-9708-019B960494DF}">
-                <a14:hiddenLine xmlns="" xmlns:a14="http://schemas.microsoft.com/office/drawing/2010/main" w="9525">
+                <a14:hiddenLine xmlns:a14="http://schemas.microsoft.com/office/drawing/2010/main" xmlns="" w="9525">
                   <a:solidFill>
                     <a:srgbClr val="000000"/>
                   </a:solidFill>
@@ -1483,7 +1483,7 @@
             </a:ln>
             <a:extLst>
               <a:ext uri="{91240B29-F687-4f45-9708-019B960494DF}">
-                <a14:hiddenLine xmlns="" xmlns:a14="http://schemas.microsoft.com/office/drawing/2010/main" w="9525">
+                <a14:hiddenLine xmlns:a14="http://schemas.microsoft.com/office/drawing/2010/main" xmlns="" w="9525">
                   <a:solidFill>
                     <a:srgbClr val="000000"/>
                   </a:solidFill>
@@ -1545,7 +1545,7 @@
             </a:ln>
             <a:extLst>
               <a:ext uri="{91240B29-F687-4f45-9708-019B960494DF}">
-                <a14:hiddenLine xmlns="" xmlns:a14="http://schemas.microsoft.com/office/drawing/2010/main" w="9525">
+                <a14:hiddenLine xmlns:a14="http://schemas.microsoft.com/office/drawing/2010/main" xmlns="" w="9525">
                   <a:solidFill>
                     <a:srgbClr val="000000"/>
                   </a:solidFill>
@@ -1635,7 +1635,7 @@
             </a:ln>
             <a:extLst>
               <a:ext uri="{91240B29-F687-4f45-9708-019B960494DF}">
-                <a14:hiddenLine xmlns="" xmlns:a14="http://schemas.microsoft.com/office/drawing/2010/main" w="9525">
+                <a14:hiddenLine xmlns:a14="http://schemas.microsoft.com/office/drawing/2010/main" xmlns="" w="9525">
                   <a:solidFill>
                     <a:srgbClr val="000000"/>
                   </a:solidFill>
@@ -1697,7 +1697,7 @@
             </a:ln>
             <a:extLst>
               <a:ext uri="{91240B29-F687-4f45-9708-019B960494DF}">
-                <a14:hiddenLine xmlns="" xmlns:a14="http://schemas.microsoft.com/office/drawing/2010/main" w="9525">
+                <a14:hiddenLine xmlns:a14="http://schemas.microsoft.com/office/drawing/2010/main" xmlns="" w="9525">
                   <a:solidFill>
                     <a:srgbClr val="000000"/>
                   </a:solidFill>
@@ -1759,7 +1759,7 @@
             </a:ln>
             <a:extLst>
               <a:ext uri="{91240B29-F687-4f45-9708-019B960494DF}">
-                <a14:hiddenLine xmlns="" xmlns:a14="http://schemas.microsoft.com/office/drawing/2010/main" w="9525">
+                <a14:hiddenLine xmlns:a14="http://schemas.microsoft.com/office/drawing/2010/main" xmlns="" w="9525">
                   <a:solidFill>
                     <a:srgbClr val="000000"/>
                   </a:solidFill>
@@ -1849,7 +1849,7 @@
             </a:ln>
             <a:extLst>
               <a:ext uri="{91240B29-F687-4f45-9708-019B960494DF}">
-                <a14:hiddenLine xmlns="" xmlns:a14="http://schemas.microsoft.com/office/drawing/2010/main" w="9525">
+                <a14:hiddenLine xmlns:a14="http://schemas.microsoft.com/office/drawing/2010/main" xmlns="" w="9525">
                   <a:solidFill>
                     <a:srgbClr val="000000"/>
                   </a:solidFill>
@@ -1939,7 +1939,7 @@
             </a:ln>
             <a:extLst>
               <a:ext uri="{91240B29-F687-4f45-9708-019B960494DF}">
-                <a14:hiddenLine xmlns="" xmlns:a14="http://schemas.microsoft.com/office/drawing/2010/main" w="9525">
+                <a14:hiddenLine xmlns:a14="http://schemas.microsoft.com/office/drawing/2010/main" xmlns="" w="9525">
                   <a:solidFill>
                     <a:srgbClr val="000000"/>
                   </a:solidFill>
@@ -2001,7 +2001,7 @@
             </a:ln>
             <a:extLst>
               <a:ext uri="{91240B29-F687-4f45-9708-019B960494DF}">
-                <a14:hiddenLine xmlns="" xmlns:a14="http://schemas.microsoft.com/office/drawing/2010/main" w="9525">
+                <a14:hiddenLine xmlns:a14="http://schemas.microsoft.com/office/drawing/2010/main" xmlns="" w="9525">
                   <a:solidFill>
                     <a:srgbClr val="000000"/>
                   </a:solidFill>
@@ -2111,7 +2111,7 @@
             </a:ln>
             <a:extLst>
               <a:ext uri="{91240B29-F687-4f45-9708-019B960494DF}">
-                <a14:hiddenLine xmlns="" xmlns:a14="http://schemas.microsoft.com/office/drawing/2010/main" w="9525">
+                <a14:hiddenLine xmlns:a14="http://schemas.microsoft.com/office/drawing/2010/main" xmlns="" w="9525">
                   <a:solidFill>
                     <a:srgbClr val="000000"/>
                   </a:solidFill>
@@ -2173,7 +2173,7 @@
             </a:ln>
             <a:extLst>
               <a:ext uri="{91240B29-F687-4f45-9708-019B960494DF}">
-                <a14:hiddenLine xmlns="" xmlns:a14="http://schemas.microsoft.com/office/drawing/2010/main" w="9525">
+                <a14:hiddenLine xmlns:a14="http://schemas.microsoft.com/office/drawing/2010/main" xmlns="" w="9525">
                   <a:solidFill>
                     <a:srgbClr val="000000"/>
                   </a:solidFill>
@@ -2263,7 +2263,7 @@
             </a:ln>
             <a:extLst>
               <a:ext uri="{91240B29-F687-4f45-9708-019B960494DF}">
-                <a14:hiddenLine xmlns="" xmlns:a14="http://schemas.microsoft.com/office/drawing/2010/main" w="9525">
+                <a14:hiddenLine xmlns:a14="http://schemas.microsoft.com/office/drawing/2010/main" xmlns="" w="9525">
                   <a:solidFill>
                     <a:srgbClr val="000000"/>
                   </a:solidFill>
@@ -2353,7 +2353,7 @@
             </a:ln>
             <a:extLst>
               <a:ext uri="{91240B29-F687-4f45-9708-019B960494DF}">
-                <a14:hiddenLine xmlns="" xmlns:a14="http://schemas.microsoft.com/office/drawing/2010/main" w="9525">
+                <a14:hiddenLine xmlns:a14="http://schemas.microsoft.com/office/drawing/2010/main" xmlns="" w="9525">
                   <a:solidFill>
                     <a:srgbClr val="000000"/>
                   </a:solidFill>
@@ -2415,7 +2415,7 @@
             </a:ln>
             <a:extLst>
               <a:ext uri="{91240B29-F687-4f45-9708-019B960494DF}">
-                <a14:hiddenLine xmlns="" xmlns:a14="http://schemas.microsoft.com/office/drawing/2010/main" w="9525">
+                <a14:hiddenLine xmlns:a14="http://schemas.microsoft.com/office/drawing/2010/main" xmlns="" w="9525">
                   <a:solidFill>
                     <a:srgbClr val="000000"/>
                   </a:solidFill>
@@ -2505,7 +2505,7 @@
             </a:ln>
             <a:extLst>
               <a:ext uri="{91240B29-F687-4f45-9708-019B960494DF}">
-                <a14:hiddenLine xmlns="" xmlns:a14="http://schemas.microsoft.com/office/drawing/2010/main" w="9525">
+                <a14:hiddenLine xmlns:a14="http://schemas.microsoft.com/office/drawing/2010/main" xmlns="" w="9525">
                   <a:solidFill>
                     <a:srgbClr val="000000"/>
                   </a:solidFill>
@@ -2595,7 +2595,7 @@
             </a:ln>
             <a:extLst>
               <a:ext uri="{91240B29-F687-4f45-9708-019B960494DF}">
-                <a14:hiddenLine xmlns="" xmlns:a14="http://schemas.microsoft.com/office/drawing/2010/main" w="9525">
+                <a14:hiddenLine xmlns:a14="http://schemas.microsoft.com/office/drawing/2010/main" xmlns="" w="9525">
                   <a:solidFill>
                     <a:srgbClr val="000000"/>
                   </a:solidFill>
@@ -2651,7 +2651,7 @@
             </a:ln>
             <a:extLst>
               <a:ext uri="{91240B29-F687-4f45-9708-019B960494DF}">
-                <a14:hiddenLine xmlns="" xmlns:a14="http://schemas.microsoft.com/office/drawing/2010/main" w="9525">
+                <a14:hiddenLine xmlns:a14="http://schemas.microsoft.com/office/drawing/2010/main" xmlns="" w="9525">
                   <a:solidFill>
                     <a:srgbClr val="000000"/>
                   </a:solidFill>
@@ -2741,7 +2741,7 @@
             </a:ln>
             <a:extLst>
               <a:ext uri="{91240B29-F687-4f45-9708-019B960494DF}">
-                <a14:hiddenLine xmlns="" xmlns:a14="http://schemas.microsoft.com/office/drawing/2010/main" w="9525">
+                <a14:hiddenLine xmlns:a14="http://schemas.microsoft.com/office/drawing/2010/main" xmlns="" w="9525">
                   <a:solidFill>
                     <a:srgbClr val="000000"/>
                   </a:solidFill>
@@ -2797,7 +2797,7 @@
             </a:ln>
             <a:extLst>
               <a:ext uri="{91240B29-F687-4f45-9708-019B960494DF}">
-                <a14:hiddenLine xmlns="" xmlns:a14="http://schemas.microsoft.com/office/drawing/2010/main" w="9525">
+                <a14:hiddenLine xmlns:a14="http://schemas.microsoft.com/office/drawing/2010/main" xmlns="" w="9525">
                   <a:solidFill>
                     <a:srgbClr val="000000"/>
                   </a:solidFill>
@@ -2887,7 +2887,7 @@
             </a:ln>
             <a:extLst>
               <a:ext uri="{91240B29-F687-4f45-9708-019B960494DF}">
-                <a14:hiddenLine xmlns="" xmlns:a14="http://schemas.microsoft.com/office/drawing/2010/main" w="9525">
+                <a14:hiddenLine xmlns:a14="http://schemas.microsoft.com/office/drawing/2010/main" xmlns="" w="9525">
                   <a:solidFill>
                     <a:srgbClr val="000000"/>
                   </a:solidFill>
@@ -2955,7 +2955,7 @@
             </a:ln>
             <a:extLst>
               <a:ext uri="{91240B29-F687-4f45-9708-019B960494DF}">
-                <a14:hiddenLine xmlns="" xmlns:a14="http://schemas.microsoft.com/office/drawing/2010/main" w="9525">
+                <a14:hiddenLine xmlns:a14="http://schemas.microsoft.com/office/drawing/2010/main" xmlns="" w="9525">
                   <a:solidFill>
                     <a:srgbClr val="000000"/>
                   </a:solidFill>
@@ -3045,7 +3045,7 @@
             </a:ln>
             <a:extLst>
               <a:ext uri="{91240B29-F687-4f45-9708-019B960494DF}">
-                <a14:hiddenLine xmlns="" xmlns:a14="http://schemas.microsoft.com/office/drawing/2010/main" w="9525">
+                <a14:hiddenLine xmlns:a14="http://schemas.microsoft.com/office/drawing/2010/main" xmlns="" w="9525">
                   <a:solidFill>
                     <a:srgbClr val="000000"/>
                   </a:solidFill>
@@ -3113,7 +3113,7 @@
             </a:ln>
             <a:extLst>
               <a:ext uri="{91240B29-F687-4f45-9708-019B960494DF}">
-                <a14:hiddenLine xmlns="" xmlns:a14="http://schemas.microsoft.com/office/drawing/2010/main" w="9525">
+                <a14:hiddenLine xmlns:a14="http://schemas.microsoft.com/office/drawing/2010/main" xmlns="" w="9525">
                   <a:solidFill>
                     <a:srgbClr val="000000"/>
                   </a:solidFill>
@@ -3203,7 +3203,7 @@
             </a:ln>
             <a:extLst>
               <a:ext uri="{91240B29-F687-4f45-9708-019B960494DF}">
-                <a14:hiddenLine xmlns="" xmlns:a14="http://schemas.microsoft.com/office/drawing/2010/main" w="9525">
+                <a14:hiddenLine xmlns:a14="http://schemas.microsoft.com/office/drawing/2010/main" xmlns="" w="9525">
                   <a:solidFill>
                     <a:srgbClr val="000000"/>
                   </a:solidFill>
@@ -3237,7 +3237,7 @@
             </a:ln>
             <a:extLst>
               <a:ext uri="{91240B29-F687-4f45-9708-019B960494DF}">
-                <a14:hiddenLine xmlns="" xmlns:a14="http://schemas.microsoft.com/office/drawing/2010/main" w="9525">
+                <a14:hiddenLine xmlns:a14="http://schemas.microsoft.com/office/drawing/2010/main" xmlns="" w="9525">
                   <a:solidFill>
                     <a:srgbClr val="000000"/>
                   </a:solidFill>
@@ -3327,7 +3327,7 @@
             </a:ln>
             <a:extLst>
               <a:ext uri="{91240B29-F687-4f45-9708-019B960494DF}">
-                <a14:hiddenLine xmlns="" xmlns:a14="http://schemas.microsoft.com/office/drawing/2010/main" w="9525">
+                <a14:hiddenLine xmlns:a14="http://schemas.microsoft.com/office/drawing/2010/main" xmlns="" w="9525">
                   <a:solidFill>
                     <a:srgbClr val="000000"/>
                   </a:solidFill>
@@ -3389,7 +3389,7 @@
             </a:ln>
             <a:extLst>
               <a:ext uri="{91240B29-F687-4f45-9708-019B960494DF}">
-                <a14:hiddenLine xmlns="" xmlns:a14="http://schemas.microsoft.com/office/drawing/2010/main" w="9525">
+                <a14:hiddenLine xmlns:a14="http://schemas.microsoft.com/office/drawing/2010/main" xmlns="" w="9525">
                   <a:solidFill>
                     <a:srgbClr val="000000"/>
                   </a:solidFill>
@@ -3451,7 +3451,7 @@
             </a:ln>
             <a:extLst>
               <a:ext uri="{91240B29-F687-4f45-9708-019B960494DF}">
-                <a14:hiddenLine xmlns="" xmlns:a14="http://schemas.microsoft.com/office/drawing/2010/main" w="9525">
+                <a14:hiddenLine xmlns:a14="http://schemas.microsoft.com/office/drawing/2010/main" xmlns="" w="9525">
                   <a:solidFill>
                     <a:srgbClr val="000000"/>
                   </a:solidFill>
@@ -3541,7 +3541,7 @@
             </a:ln>
             <a:extLst>
               <a:ext uri="{91240B29-F687-4f45-9708-019B960494DF}">
-                <a14:hiddenLine xmlns="" xmlns:a14="http://schemas.microsoft.com/office/drawing/2010/main" w="9525">
+                <a14:hiddenLine xmlns:a14="http://schemas.microsoft.com/office/drawing/2010/main" xmlns="" w="9525">
                   <a:solidFill>
                     <a:srgbClr val="000000"/>
                   </a:solidFill>
@@ -3609,7 +3609,7 @@
             </a:ln>
             <a:extLst>
               <a:ext uri="{91240B29-F687-4f45-9708-019B960494DF}">
-                <a14:hiddenLine xmlns="" xmlns:a14="http://schemas.microsoft.com/office/drawing/2010/main" w="9525">
+                <a14:hiddenLine xmlns:a14="http://schemas.microsoft.com/office/drawing/2010/main" xmlns="" w="9525">
                   <a:solidFill>
                     <a:srgbClr val="000000"/>
                   </a:solidFill>
@@ -3671,7 +3671,7 @@
             </a:ln>
             <a:extLst>
               <a:ext uri="{91240B29-F687-4f45-9708-019B960494DF}">
-                <a14:hiddenLine xmlns="" xmlns:a14="http://schemas.microsoft.com/office/drawing/2010/main" w="9525">
+                <a14:hiddenLine xmlns:a14="http://schemas.microsoft.com/office/drawing/2010/main" xmlns="" w="9525">
                   <a:solidFill>
                     <a:srgbClr val="000000"/>
                   </a:solidFill>
@@ -3761,7 +3761,7 @@
             </a:ln>
             <a:extLst>
               <a:ext uri="{91240B29-F687-4f45-9708-019B960494DF}">
-                <a14:hiddenLine xmlns="" xmlns:a14="http://schemas.microsoft.com/office/drawing/2010/main" w="9525">
+                <a14:hiddenLine xmlns:a14="http://schemas.microsoft.com/office/drawing/2010/main" xmlns="" w="9525">
                   <a:solidFill>
                     <a:srgbClr val="000000"/>
                   </a:solidFill>
@@ -3823,7 +3823,7 @@
             </a:ln>
             <a:extLst>
               <a:ext uri="{91240B29-F687-4f45-9708-019B960494DF}">
-                <a14:hiddenLine xmlns="" xmlns:a14="http://schemas.microsoft.com/office/drawing/2010/main" w="9525">
+                <a14:hiddenLine xmlns:a14="http://schemas.microsoft.com/office/drawing/2010/main" xmlns="" w="9525">
                   <a:solidFill>
                     <a:srgbClr val="000000"/>
                   </a:solidFill>
@@ -3913,7 +3913,7 @@
             </a:ln>
             <a:extLst>
               <a:ext uri="{91240B29-F687-4f45-9708-019B960494DF}">
-                <a14:hiddenLine xmlns="" xmlns:a14="http://schemas.microsoft.com/office/drawing/2010/main" w="9525">
+                <a14:hiddenLine xmlns:a14="http://schemas.microsoft.com/office/drawing/2010/main" xmlns="" w="9525">
                   <a:solidFill>
                     <a:srgbClr val="000000"/>
                   </a:solidFill>
@@ -3975,7 +3975,7 @@
             </a:ln>
             <a:extLst>
               <a:ext uri="{91240B29-F687-4f45-9708-019B960494DF}">
-                <a14:hiddenLine xmlns="" xmlns:a14="http://schemas.microsoft.com/office/drawing/2010/main" w="9525">
+                <a14:hiddenLine xmlns:a14="http://schemas.microsoft.com/office/drawing/2010/main" xmlns="" w="9525">
                   <a:solidFill>
                     <a:srgbClr val="000000"/>
                   </a:solidFill>
@@ -4065,7 +4065,7 @@
             </a:ln>
             <a:extLst>
               <a:ext uri="{91240B29-F687-4f45-9708-019B960494DF}">
-                <a14:hiddenLine xmlns="" xmlns:a14="http://schemas.microsoft.com/office/drawing/2010/main" w="9525">
+                <a14:hiddenLine xmlns:a14="http://schemas.microsoft.com/office/drawing/2010/main" xmlns="" w="9525">
                   <a:solidFill>
                     <a:srgbClr val="000000"/>
                   </a:solidFill>
@@ -4099,7 +4099,7 @@
             </a:ln>
             <a:extLst>
               <a:ext uri="{91240B29-F687-4f45-9708-019B960494DF}">
-                <a14:hiddenLine xmlns="" xmlns:a14="http://schemas.microsoft.com/office/drawing/2010/main" w="9525">
+                <a14:hiddenLine xmlns:a14="http://schemas.microsoft.com/office/drawing/2010/main" xmlns="" w="9525">
                   <a:solidFill>
                     <a:srgbClr val="000000"/>
                   </a:solidFill>
@@ -4164,7 +4164,7 @@
             </a:ln>
             <a:extLst>
               <a:ext uri="{91240B29-F687-4f45-9708-019B960494DF}">
-                <a14:hiddenLine xmlns="" xmlns:a14="http://schemas.microsoft.com/office/drawing/2010/main" w="9525">
+                <a14:hiddenLine xmlns:a14="http://schemas.microsoft.com/office/drawing/2010/main" xmlns="" w="9525">
                   <a:solidFill>
                     <a:srgbClr val="000000"/>
                   </a:solidFill>
@@ -4254,7 +4254,7 @@
             </a:ln>
             <a:extLst>
               <a:ext uri="{91240B29-F687-4f45-9708-019B960494DF}">
-                <a14:hiddenLine xmlns="" xmlns:a14="http://schemas.microsoft.com/office/drawing/2010/main" w="9525">
+                <a14:hiddenLine xmlns:a14="http://schemas.microsoft.com/office/drawing/2010/main" xmlns="" w="9525">
                   <a:solidFill>
                     <a:srgbClr val="000000"/>
                   </a:solidFill>
@@ -4316,7 +4316,7 @@
             </a:ln>
             <a:extLst>
               <a:ext uri="{91240B29-F687-4f45-9708-019B960494DF}">
-                <a14:hiddenLine xmlns="" xmlns:a14="http://schemas.microsoft.com/office/drawing/2010/main" w="9525">
+                <a14:hiddenLine xmlns:a14="http://schemas.microsoft.com/office/drawing/2010/main" xmlns="" w="9525">
                   <a:solidFill>
                     <a:srgbClr val="000000"/>
                   </a:solidFill>
@@ -4406,7 +4406,7 @@
             </a:ln>
             <a:extLst>
               <a:ext uri="{91240B29-F687-4f45-9708-019B960494DF}">
-                <a14:hiddenLine xmlns="" xmlns:a14="http://schemas.microsoft.com/office/drawing/2010/main" w="9525">
+                <a14:hiddenLine xmlns:a14="http://schemas.microsoft.com/office/drawing/2010/main" xmlns="" w="9525">
                   <a:solidFill>
                     <a:srgbClr val="000000"/>
                   </a:solidFill>
@@ -4496,7 +4496,7 @@
             </a:ln>
             <a:extLst>
               <a:ext uri="{91240B29-F687-4f45-9708-019B960494DF}">
-                <a14:hiddenLine xmlns="" xmlns:a14="http://schemas.microsoft.com/office/drawing/2010/main" w="9525">
+                <a14:hiddenLine xmlns:a14="http://schemas.microsoft.com/office/drawing/2010/main" xmlns="" w="9525">
                   <a:solidFill>
                     <a:srgbClr val="000000"/>
                   </a:solidFill>
@@ -4561,7 +4561,7 @@
             </a:ln>
             <a:extLst>
               <a:ext uri="{91240B29-F687-4f45-9708-019B960494DF}">
-                <a14:hiddenLine xmlns="" xmlns:a14="http://schemas.microsoft.com/office/drawing/2010/main" w="9525">
+                <a14:hiddenLine xmlns:a14="http://schemas.microsoft.com/office/drawing/2010/main" xmlns="" w="9525">
                   <a:solidFill>
                     <a:srgbClr val="000000"/>
                   </a:solidFill>
@@ -4623,7 +4623,7 @@
             </a:ln>
             <a:extLst>
               <a:ext uri="{91240B29-F687-4f45-9708-019B960494DF}">
-                <a14:hiddenLine xmlns="" xmlns:a14="http://schemas.microsoft.com/office/drawing/2010/main" w="9525">
+                <a14:hiddenLine xmlns:a14="http://schemas.microsoft.com/office/drawing/2010/main" xmlns="" w="9525">
                   <a:solidFill>
                     <a:srgbClr val="000000"/>
                   </a:solidFill>
@@ -4713,7 +4713,7 @@
             </a:ln>
             <a:extLst>
               <a:ext uri="{91240B29-F687-4f45-9708-019B960494DF}">
-                <a14:hiddenLine xmlns="" xmlns:a14="http://schemas.microsoft.com/office/drawing/2010/main" w="9525">
+                <a14:hiddenLine xmlns:a14="http://schemas.microsoft.com/office/drawing/2010/main" xmlns="" w="9525">
                   <a:solidFill>
                     <a:srgbClr val="000000"/>
                   </a:solidFill>
@@ -4803,7 +4803,7 @@
             </a:ln>
             <a:extLst>
               <a:ext uri="{91240B29-F687-4f45-9708-019B960494DF}">
-                <a14:hiddenLine xmlns="" xmlns:a14="http://schemas.microsoft.com/office/drawing/2010/main" w="9525">
+                <a14:hiddenLine xmlns:a14="http://schemas.microsoft.com/office/drawing/2010/main" xmlns="" w="9525">
                   <a:solidFill>
                     <a:srgbClr val="000000"/>
                   </a:solidFill>
@@ -4865,7 +4865,7 @@
             </a:ln>
             <a:extLst>
               <a:ext uri="{91240B29-F687-4f45-9708-019B960494DF}">
-                <a14:hiddenLine xmlns="" xmlns:a14="http://schemas.microsoft.com/office/drawing/2010/main" w="9525">
+                <a14:hiddenLine xmlns:a14="http://schemas.microsoft.com/office/drawing/2010/main" xmlns="" w="9525">
                   <a:solidFill>
                     <a:srgbClr val="000000"/>
                   </a:solidFill>
@@ -4985,7 +4985,7 @@
             </a:ln>
             <a:extLst>
               <a:ext uri="{91240B29-F687-4f45-9708-019B960494DF}">
-                <a14:hiddenLine xmlns="" xmlns:a14="http://schemas.microsoft.com/office/drawing/2010/main" w="9525">
+                <a14:hiddenLine xmlns:a14="http://schemas.microsoft.com/office/drawing/2010/main" xmlns="" w="9525">
                   <a:solidFill>
                     <a:srgbClr val="000000"/>
                   </a:solidFill>
@@ -5053,7 +5053,7 @@
             </a:ln>
             <a:extLst>
               <a:ext uri="{91240B29-F687-4f45-9708-019B960494DF}">
-                <a14:hiddenLine xmlns="" xmlns:a14="http://schemas.microsoft.com/office/drawing/2010/main" w="9525">
+                <a14:hiddenLine xmlns:a14="http://schemas.microsoft.com/office/drawing/2010/main" xmlns="" w="9525">
                   <a:solidFill>
                     <a:srgbClr val="000000"/>
                   </a:solidFill>
@@ -5143,7 +5143,7 @@
             </a:ln>
             <a:extLst>
               <a:ext uri="{91240B29-F687-4f45-9708-019B960494DF}">
-                <a14:hiddenLine xmlns="" xmlns:a14="http://schemas.microsoft.com/office/drawing/2010/main" w="9525">
+                <a14:hiddenLine xmlns:a14="http://schemas.microsoft.com/office/drawing/2010/main" xmlns="" w="9525">
                   <a:solidFill>
                     <a:srgbClr val="000000"/>
                   </a:solidFill>
@@ -5283,7 +5283,7 @@
           <a:p>
             <a:fld id="{48A87A34-81AB-432B-8DAE-1953F412C126}" type="datetimeFigureOut">
               <a:rPr lang="en-US" smtClean="0"/>
-              <a:t>6/29/2019</a:t>
+              <a:t>7/1/2019</a:t>
             </a:fld>
             <a:endParaRPr lang="en-US" dirty="0"/>
           </a:p>
@@ -5550,7 +5550,7 @@
           <a:p>
             <a:fld id="{48A87A34-81AB-432B-8DAE-1953F412C126}" type="datetimeFigureOut">
               <a:rPr lang="en-US" smtClean="0"/>
-              <a:t>6/29/2019</a:t>
+              <a:t>7/1/2019</a:t>
             </a:fld>
             <a:endParaRPr lang="en-US" dirty="0"/>
           </a:p>
@@ -5746,7 +5746,7 @@
           <a:p>
             <a:fld id="{48A87A34-81AB-432B-8DAE-1953F412C126}" type="datetimeFigureOut">
               <a:rPr lang="en-US" smtClean="0"/>
-              <a:t>6/29/2019</a:t>
+              <a:t>7/1/2019</a:t>
             </a:fld>
             <a:endParaRPr lang="en-US" dirty="0"/>
           </a:p>
@@ -6009,7 +6009,7 @@
           <a:p>
             <a:fld id="{48A87A34-81AB-432B-8DAE-1953F412C126}" type="datetimeFigureOut">
               <a:rPr lang="en-US" smtClean="0"/>
-              <a:t>6/29/2019</a:t>
+              <a:t>7/1/2019</a:t>
             </a:fld>
             <a:endParaRPr lang="en-US" dirty="0"/>
           </a:p>
@@ -6443,7 +6443,7 @@
           <a:p>
             <a:fld id="{48A87A34-81AB-432B-8DAE-1953F412C126}" type="datetimeFigureOut">
               <a:rPr lang="en-US" smtClean="0"/>
-              <a:t>6/29/2019</a:t>
+              <a:t>7/1/2019</a:t>
             </a:fld>
             <a:endParaRPr lang="en-US" dirty="0"/>
           </a:p>
@@ -6989,7 +6989,7 @@
           <a:p>
             <a:fld id="{48A87A34-81AB-432B-8DAE-1953F412C126}" type="datetimeFigureOut">
               <a:rPr lang="en-US" smtClean="0"/>
-              <a:t>6/29/2019</a:t>
+              <a:t>7/1/2019</a:t>
             </a:fld>
             <a:endParaRPr lang="en-US" dirty="0"/>
           </a:p>
@@ -7709,7 +7709,7 @@
           <a:p>
             <a:fld id="{48A87A34-81AB-432B-8DAE-1953F412C126}" type="datetimeFigureOut">
               <a:rPr lang="en-US" smtClean="0"/>
-              <a:t>6/29/2019</a:t>
+              <a:t>7/1/2019</a:t>
             </a:fld>
             <a:endParaRPr lang="en-US" dirty="0"/>
           </a:p>
@@ -7879,7 +7879,7 @@
           <a:p>
             <a:fld id="{48A87A34-81AB-432B-8DAE-1953F412C126}" type="datetimeFigureOut">
               <a:rPr lang="en-US" smtClean="0"/>
-              <a:t>6/29/2019</a:t>
+              <a:t>7/1/2019</a:t>
             </a:fld>
             <a:endParaRPr lang="en-US" dirty="0"/>
           </a:p>
@@ -8059,7 +8059,7 @@
           <a:p>
             <a:fld id="{48A87A34-81AB-432B-8DAE-1953F412C126}" type="datetimeFigureOut">
               <a:rPr lang="en-US" smtClean="0"/>
-              <a:t>6/29/2019</a:t>
+              <a:t>7/1/2019</a:t>
             </a:fld>
             <a:endParaRPr lang="en-US" dirty="0"/>
           </a:p>
@@ -8229,7 +8229,7 @@
           <a:p>
             <a:fld id="{48A87A34-81AB-432B-8DAE-1953F412C126}" type="datetimeFigureOut">
               <a:rPr lang="en-US" smtClean="0"/>
-              <a:t>6/29/2019</a:t>
+              <a:t>7/1/2019</a:t>
             </a:fld>
             <a:endParaRPr lang="en-US" dirty="0"/>
           </a:p>
@@ -8479,7 +8479,7 @@
           <a:p>
             <a:fld id="{48A87A34-81AB-432B-8DAE-1953F412C126}" type="datetimeFigureOut">
               <a:rPr lang="en-US" smtClean="0"/>
-              <a:t>6/29/2019</a:t>
+              <a:t>7/1/2019</a:t>
             </a:fld>
             <a:endParaRPr lang="en-US" dirty="0"/>
           </a:p>
@@ -8711,7 +8711,7 @@
           <a:p>
             <a:fld id="{48A87A34-81AB-432B-8DAE-1953F412C126}" type="datetimeFigureOut">
               <a:rPr lang="en-US" smtClean="0"/>
-              <a:t>6/29/2019</a:t>
+              <a:t>7/1/2019</a:t>
             </a:fld>
             <a:endParaRPr lang="en-US" dirty="0"/>
           </a:p>
@@ -9092,7 +9092,7 @@
           <a:p>
             <a:fld id="{48A87A34-81AB-432B-8DAE-1953F412C126}" type="datetimeFigureOut">
               <a:rPr lang="en-US" smtClean="0"/>
-              <a:t>6/29/2019</a:t>
+              <a:t>7/1/2019</a:t>
             </a:fld>
             <a:endParaRPr lang="en-US" dirty="0"/>
           </a:p>
@@ -9210,7 +9210,7 @@
           <a:p>
             <a:fld id="{48A87A34-81AB-432B-8DAE-1953F412C126}" type="datetimeFigureOut">
               <a:rPr lang="en-US" smtClean="0"/>
-              <a:t>6/29/2019</a:t>
+              <a:t>7/1/2019</a:t>
             </a:fld>
             <a:endParaRPr lang="en-US" dirty="0"/>
           </a:p>
@@ -9305,7 +9305,7 @@
           <a:p>
             <a:fld id="{48A87A34-81AB-432B-8DAE-1953F412C126}" type="datetimeFigureOut">
               <a:rPr lang="en-US" smtClean="0"/>
-              <a:t>6/29/2019</a:t>
+              <a:t>7/1/2019</a:t>
             </a:fld>
             <a:endParaRPr lang="en-US" dirty="0"/>
           </a:p>
@@ -9554,7 +9554,7 @@
           <a:p>
             <a:fld id="{48A87A34-81AB-432B-8DAE-1953F412C126}" type="datetimeFigureOut">
               <a:rPr lang="en-US" smtClean="0"/>
-              <a:t>6/29/2019</a:t>
+              <a:t>7/1/2019</a:t>
             </a:fld>
             <a:endParaRPr lang="en-US" dirty="0"/>
           </a:p>
@@ -9834,7 +9834,7 @@
           <a:p>
             <a:fld id="{48A87A34-81AB-432B-8DAE-1953F412C126}" type="datetimeFigureOut">
               <a:rPr lang="en-US" smtClean="0"/>
-              <a:t>6/29/2019</a:t>
+              <a:t>7/1/2019</a:t>
             </a:fld>
             <a:endParaRPr lang="en-US" dirty="0"/>
           </a:p>
@@ -9957,7 +9957,7 @@
           <a:noFill/>
           <a:extLst>
             <a:ext uri="{909E8E84-426E-40dd-AFC4-6F175D3DCCD1}">
-              <a14:hiddenFill xmlns="" xmlns:a14="http://schemas.microsoft.com/office/drawing/2010/main">
+              <a14:hiddenFill xmlns:a14="http://schemas.microsoft.com/office/drawing/2010/main" xmlns="">
                 <a:solidFill>
                   <a:srgbClr val="FFFFFF"/>
                 </a:solidFill>
@@ -10031,7 +10031,7 @@
               </a:ln>
               <a:extLst>
                 <a:ext uri="{91240B29-F687-4f45-9708-019B960494DF}">
-                  <a14:hiddenLine xmlns="" xmlns:a14="http://schemas.microsoft.com/office/drawing/2010/main" w="9525">
+                  <a14:hiddenLine xmlns:a14="http://schemas.microsoft.com/office/drawing/2010/main" xmlns="" w="9525">
                     <a:solidFill>
                       <a:srgbClr val="000000"/>
                     </a:solidFill>
@@ -10121,7 +10121,7 @@
               </a:ln>
               <a:extLst>
                 <a:ext uri="{91240B29-F687-4f45-9708-019B960494DF}">
-                  <a14:hiddenLine xmlns="" xmlns:a14="http://schemas.microsoft.com/office/drawing/2010/main" w="9525">
+                  <a14:hiddenLine xmlns:a14="http://schemas.microsoft.com/office/drawing/2010/main" xmlns="" w="9525">
                     <a:solidFill>
                       <a:srgbClr val="000000"/>
                     </a:solidFill>
@@ -10211,7 +10211,7 @@
               </a:ln>
               <a:extLst>
                 <a:ext uri="{91240B29-F687-4f45-9708-019B960494DF}">
-                  <a14:hiddenLine xmlns="" xmlns:a14="http://schemas.microsoft.com/office/drawing/2010/main" w="9525">
+                  <a14:hiddenLine xmlns:a14="http://schemas.microsoft.com/office/drawing/2010/main" xmlns="" w="9525">
                     <a:solidFill>
                       <a:srgbClr val="000000"/>
                     </a:solidFill>
@@ -10273,7 +10273,7 @@
               </a:ln>
               <a:extLst>
                 <a:ext uri="{91240B29-F687-4f45-9708-019B960494DF}">
-                  <a14:hiddenLine xmlns="" xmlns:a14="http://schemas.microsoft.com/office/drawing/2010/main" w="9525">
+                  <a14:hiddenLine xmlns:a14="http://schemas.microsoft.com/office/drawing/2010/main" xmlns="" w="9525">
                     <a:solidFill>
                       <a:srgbClr val="000000"/>
                     </a:solidFill>
@@ -10363,7 +10363,7 @@
               </a:ln>
               <a:extLst>
                 <a:ext uri="{91240B29-F687-4f45-9708-019B960494DF}">
-                  <a14:hiddenLine xmlns="" xmlns:a14="http://schemas.microsoft.com/office/drawing/2010/main" w="9525">
+                  <a14:hiddenLine xmlns:a14="http://schemas.microsoft.com/office/drawing/2010/main" xmlns="" w="9525">
                     <a:solidFill>
                       <a:srgbClr val="000000"/>
                     </a:solidFill>
@@ -10425,7 +10425,7 @@
               </a:ln>
               <a:extLst>
                 <a:ext uri="{91240B29-F687-4f45-9708-019B960494DF}">
-                  <a14:hiddenLine xmlns="" xmlns:a14="http://schemas.microsoft.com/office/drawing/2010/main" w="9525">
+                  <a14:hiddenLine xmlns:a14="http://schemas.microsoft.com/office/drawing/2010/main" xmlns="" w="9525">
                     <a:solidFill>
                       <a:srgbClr val="000000"/>
                     </a:solidFill>
@@ -10487,7 +10487,7 @@
               </a:ln>
               <a:extLst>
                 <a:ext uri="{91240B29-F687-4f45-9708-019B960494DF}">
-                  <a14:hiddenLine xmlns="" xmlns:a14="http://schemas.microsoft.com/office/drawing/2010/main" w="9525">
+                  <a14:hiddenLine xmlns:a14="http://schemas.microsoft.com/office/drawing/2010/main" xmlns="" w="9525">
                     <a:solidFill>
                       <a:srgbClr val="000000"/>
                     </a:solidFill>
@@ -10577,7 +10577,7 @@
               </a:ln>
               <a:extLst>
                 <a:ext uri="{91240B29-F687-4f45-9708-019B960494DF}">
-                  <a14:hiddenLine xmlns="" xmlns:a14="http://schemas.microsoft.com/office/drawing/2010/main" w="9525">
+                  <a14:hiddenLine xmlns:a14="http://schemas.microsoft.com/office/drawing/2010/main" xmlns="" w="9525">
                     <a:solidFill>
                       <a:srgbClr val="000000"/>
                     </a:solidFill>
@@ -10667,7 +10667,7 @@
               </a:ln>
               <a:extLst>
                 <a:ext uri="{91240B29-F687-4f45-9708-019B960494DF}">
-                  <a14:hiddenLine xmlns="" xmlns:a14="http://schemas.microsoft.com/office/drawing/2010/main" w="9525">
+                  <a14:hiddenLine xmlns:a14="http://schemas.microsoft.com/office/drawing/2010/main" xmlns="" w="9525">
                     <a:solidFill>
                       <a:srgbClr val="000000"/>
                     </a:solidFill>
@@ -10729,7 +10729,7 @@
               </a:ln>
               <a:extLst>
                 <a:ext uri="{91240B29-F687-4f45-9708-019B960494DF}">
-                  <a14:hiddenLine xmlns="" xmlns:a14="http://schemas.microsoft.com/office/drawing/2010/main" w="9525">
+                  <a14:hiddenLine xmlns:a14="http://schemas.microsoft.com/office/drawing/2010/main" xmlns="" w="9525">
                     <a:solidFill>
                       <a:srgbClr val="000000"/>
                     </a:solidFill>
@@ -10839,7 +10839,7 @@
               </a:ln>
               <a:extLst>
                 <a:ext uri="{91240B29-F687-4f45-9708-019B960494DF}">
-                  <a14:hiddenLine xmlns="" xmlns:a14="http://schemas.microsoft.com/office/drawing/2010/main" w="9525">
+                  <a14:hiddenLine xmlns:a14="http://schemas.microsoft.com/office/drawing/2010/main" xmlns="" w="9525">
                     <a:solidFill>
                       <a:srgbClr val="000000"/>
                     </a:solidFill>
@@ -10923,7 +10923,7 @@
               </a:ln>
               <a:extLst>
                 <a:ext uri="{91240B29-F687-4f45-9708-019B960494DF}">
-                  <a14:hiddenLine xmlns="" xmlns:a14="http://schemas.microsoft.com/office/drawing/2010/main" w="9525">
+                  <a14:hiddenLine xmlns:a14="http://schemas.microsoft.com/office/drawing/2010/main" xmlns="" w="9525">
                     <a:solidFill>
                       <a:srgbClr val="000000"/>
                     </a:solidFill>
@@ -10985,7 +10985,7 @@
               </a:ln>
               <a:extLst>
                 <a:ext uri="{91240B29-F687-4f45-9708-019B960494DF}">
-                  <a14:hiddenLine xmlns="" xmlns:a14="http://schemas.microsoft.com/office/drawing/2010/main" w="9525">
+                  <a14:hiddenLine xmlns:a14="http://schemas.microsoft.com/office/drawing/2010/main" xmlns="" w="9525">
                     <a:solidFill>
                       <a:srgbClr val="000000"/>
                     </a:solidFill>
@@ -11047,7 +11047,7 @@
               </a:ln>
               <a:extLst>
                 <a:ext uri="{91240B29-F687-4f45-9708-019B960494DF}">
-                  <a14:hiddenLine xmlns="" xmlns:a14="http://schemas.microsoft.com/office/drawing/2010/main" w="9525">
+                  <a14:hiddenLine xmlns:a14="http://schemas.microsoft.com/office/drawing/2010/main" xmlns="" w="9525">
                     <a:solidFill>
                       <a:srgbClr val="000000"/>
                     </a:solidFill>
@@ -11137,7 +11137,7 @@
               </a:ln>
               <a:extLst>
                 <a:ext uri="{91240B29-F687-4f45-9708-019B960494DF}">
-                  <a14:hiddenLine xmlns="" xmlns:a14="http://schemas.microsoft.com/office/drawing/2010/main" w="9525">
+                  <a14:hiddenLine xmlns:a14="http://schemas.microsoft.com/office/drawing/2010/main" xmlns="" w="9525">
                     <a:solidFill>
                       <a:srgbClr val="000000"/>
                     </a:solidFill>
@@ -11171,7 +11171,7 @@
               </a:ln>
               <a:extLst>
                 <a:ext uri="{91240B29-F687-4f45-9708-019B960494DF}">
-                  <a14:hiddenLine xmlns="" xmlns:a14="http://schemas.microsoft.com/office/drawing/2010/main" w="9525">
+                  <a14:hiddenLine xmlns:a14="http://schemas.microsoft.com/office/drawing/2010/main" xmlns="" w="9525">
                     <a:solidFill>
                       <a:srgbClr val="000000"/>
                     </a:solidFill>
@@ -11236,7 +11236,7 @@
               </a:ln>
               <a:extLst>
                 <a:ext uri="{91240B29-F687-4f45-9708-019B960494DF}">
-                  <a14:hiddenLine xmlns="" xmlns:a14="http://schemas.microsoft.com/office/drawing/2010/main" w="9525">
+                  <a14:hiddenLine xmlns:a14="http://schemas.microsoft.com/office/drawing/2010/main" xmlns="" w="9525">
                     <a:solidFill>
                       <a:srgbClr val="000000"/>
                     </a:solidFill>
@@ -11326,7 +11326,7 @@
               </a:ln>
               <a:extLst>
                 <a:ext uri="{91240B29-F687-4f45-9708-019B960494DF}">
-                  <a14:hiddenLine xmlns="" xmlns:a14="http://schemas.microsoft.com/office/drawing/2010/main" w="9525">
+                  <a14:hiddenLine xmlns:a14="http://schemas.microsoft.com/office/drawing/2010/main" xmlns="" w="9525">
                     <a:solidFill>
                       <a:srgbClr val="000000"/>
                     </a:solidFill>
@@ -11388,7 +11388,7 @@
               </a:ln>
               <a:extLst>
                 <a:ext uri="{91240B29-F687-4f45-9708-019B960494DF}">
-                  <a14:hiddenLine xmlns="" xmlns:a14="http://schemas.microsoft.com/office/drawing/2010/main" w="9525">
+                  <a14:hiddenLine xmlns:a14="http://schemas.microsoft.com/office/drawing/2010/main" xmlns="" w="9525">
                     <a:solidFill>
                       <a:srgbClr val="000000"/>
                     </a:solidFill>
@@ -11478,7 +11478,7 @@
               </a:ln>
               <a:extLst>
                 <a:ext uri="{91240B29-F687-4f45-9708-019B960494DF}">
-                  <a14:hiddenLine xmlns="" xmlns:a14="http://schemas.microsoft.com/office/drawing/2010/main" w="9525">
+                  <a14:hiddenLine xmlns:a14="http://schemas.microsoft.com/office/drawing/2010/main" xmlns="" w="9525">
                     <a:solidFill>
                       <a:srgbClr val="000000"/>
                     </a:solidFill>
@@ -11543,7 +11543,7 @@
               </a:ln>
               <a:extLst>
                 <a:ext uri="{91240B29-F687-4f45-9708-019B960494DF}">
-                  <a14:hiddenLine xmlns="" xmlns:a14="http://schemas.microsoft.com/office/drawing/2010/main" w="9525">
+                  <a14:hiddenLine xmlns:a14="http://schemas.microsoft.com/office/drawing/2010/main" xmlns="" w="9525">
                     <a:solidFill>
                       <a:srgbClr val="000000"/>
                     </a:solidFill>
@@ -11605,7 +11605,7 @@
               </a:ln>
               <a:extLst>
                 <a:ext uri="{91240B29-F687-4f45-9708-019B960494DF}">
-                  <a14:hiddenLine xmlns="" xmlns:a14="http://schemas.microsoft.com/office/drawing/2010/main" w="9525">
+                  <a14:hiddenLine xmlns:a14="http://schemas.microsoft.com/office/drawing/2010/main" xmlns="" w="9525">
                     <a:solidFill>
                       <a:srgbClr val="000000"/>
                     </a:solidFill>
@@ -11695,7 +11695,7 @@
               </a:ln>
               <a:extLst>
                 <a:ext uri="{91240B29-F687-4f45-9708-019B960494DF}">
-                  <a14:hiddenLine xmlns="" xmlns:a14="http://schemas.microsoft.com/office/drawing/2010/main" w="9525">
+                  <a14:hiddenLine xmlns:a14="http://schemas.microsoft.com/office/drawing/2010/main" xmlns="" w="9525">
                     <a:solidFill>
                       <a:srgbClr val="000000"/>
                     </a:solidFill>
@@ -11785,7 +11785,7 @@
               </a:ln>
               <a:extLst>
                 <a:ext uri="{91240B29-F687-4f45-9708-019B960494DF}">
-                  <a14:hiddenLine xmlns="" xmlns:a14="http://schemas.microsoft.com/office/drawing/2010/main" w="9525">
+                  <a14:hiddenLine xmlns:a14="http://schemas.microsoft.com/office/drawing/2010/main" xmlns="" w="9525">
                     <a:solidFill>
                       <a:srgbClr val="000000"/>
                     </a:solidFill>
@@ -11850,7 +11850,7 @@
               </a:ln>
               <a:extLst>
                 <a:ext uri="{91240B29-F687-4f45-9708-019B960494DF}">
-                  <a14:hiddenLine xmlns="" xmlns:a14="http://schemas.microsoft.com/office/drawing/2010/main" w="9525">
+                  <a14:hiddenLine xmlns:a14="http://schemas.microsoft.com/office/drawing/2010/main" xmlns="" w="9525">
                     <a:solidFill>
                       <a:srgbClr val="000000"/>
                     </a:solidFill>
@@ -11970,7 +11970,7 @@
               </a:ln>
               <a:extLst>
                 <a:ext uri="{91240B29-F687-4f45-9708-019B960494DF}">
-                  <a14:hiddenLine xmlns="" xmlns:a14="http://schemas.microsoft.com/office/drawing/2010/main" w="9525">
+                  <a14:hiddenLine xmlns:a14="http://schemas.microsoft.com/office/drawing/2010/main" xmlns="" w="9525">
                     <a:solidFill>
                       <a:srgbClr val="000000"/>
                     </a:solidFill>
@@ -12051,7 +12051,7 @@
               </a:ln>
               <a:extLst>
                 <a:ext uri="{91240B29-F687-4f45-9708-019B960494DF}">
-                  <a14:hiddenLine xmlns="" xmlns:a14="http://schemas.microsoft.com/office/drawing/2010/main" w="9525">
+                  <a14:hiddenLine xmlns:a14="http://schemas.microsoft.com/office/drawing/2010/main" xmlns="" w="9525">
                     <a:solidFill>
                       <a:srgbClr val="000000"/>
                     </a:solidFill>
@@ -12166,7 +12166,7 @@
               </a:ln>
               <a:extLst>
                 <a:ext uri="{91240B29-F687-4f45-9708-019B960494DF}">
-                  <a14:hiddenLine xmlns="" xmlns:a14="http://schemas.microsoft.com/office/drawing/2010/main" w="9525">
+                  <a14:hiddenLine xmlns:a14="http://schemas.microsoft.com/office/drawing/2010/main" xmlns="" w="9525">
                     <a:solidFill>
                       <a:srgbClr val="000000"/>
                     </a:solidFill>
@@ -12256,7 +12256,7 @@
               </a:ln>
               <a:extLst>
                 <a:ext uri="{91240B29-F687-4f45-9708-019B960494DF}">
-                  <a14:hiddenLine xmlns="" xmlns:a14="http://schemas.microsoft.com/office/drawing/2010/main" w="9525">
+                  <a14:hiddenLine xmlns:a14="http://schemas.microsoft.com/office/drawing/2010/main" xmlns="" w="9525">
                     <a:solidFill>
                       <a:srgbClr val="000000"/>
                     </a:solidFill>
@@ -12321,7 +12321,7 @@
               </a:ln>
               <a:extLst>
                 <a:ext uri="{91240B29-F687-4f45-9708-019B960494DF}">
-                  <a14:hiddenLine xmlns="" xmlns:a14="http://schemas.microsoft.com/office/drawing/2010/main" w="9525">
+                  <a14:hiddenLine xmlns:a14="http://schemas.microsoft.com/office/drawing/2010/main" xmlns="" w="9525">
                     <a:solidFill>
                       <a:srgbClr val="000000"/>
                     </a:solidFill>
@@ -12411,7 +12411,7 @@
               </a:ln>
               <a:extLst>
                 <a:ext uri="{91240B29-F687-4f45-9708-019B960494DF}">
-                  <a14:hiddenLine xmlns="" xmlns:a14="http://schemas.microsoft.com/office/drawing/2010/main" w="9525">
+                  <a14:hiddenLine xmlns:a14="http://schemas.microsoft.com/office/drawing/2010/main" xmlns="" w="9525">
                     <a:solidFill>
                       <a:srgbClr val="000000"/>
                     </a:solidFill>
@@ -12479,7 +12479,7 @@
               </a:ln>
               <a:extLst>
                 <a:ext uri="{91240B29-F687-4f45-9708-019B960494DF}">
-                  <a14:hiddenLine xmlns="" xmlns:a14="http://schemas.microsoft.com/office/drawing/2010/main" w="9525">
+                  <a14:hiddenLine xmlns:a14="http://schemas.microsoft.com/office/drawing/2010/main" xmlns="" w="9525">
                     <a:solidFill>
                       <a:srgbClr val="000000"/>
                     </a:solidFill>
@@ -12569,7 +12569,7 @@
               </a:ln>
               <a:extLst>
                 <a:ext uri="{91240B29-F687-4f45-9708-019B960494DF}">
-                  <a14:hiddenLine xmlns="" xmlns:a14="http://schemas.microsoft.com/office/drawing/2010/main" w="9525">
+                  <a14:hiddenLine xmlns:a14="http://schemas.microsoft.com/office/drawing/2010/main" xmlns="" w="9525">
                     <a:solidFill>
                       <a:srgbClr val="000000"/>
                     </a:solidFill>
@@ -12637,7 +12637,7 @@
               </a:ln>
               <a:extLst>
                 <a:ext uri="{91240B29-F687-4f45-9708-019B960494DF}">
-                  <a14:hiddenLine xmlns="" xmlns:a14="http://schemas.microsoft.com/office/drawing/2010/main" w="9525">
+                  <a14:hiddenLine xmlns:a14="http://schemas.microsoft.com/office/drawing/2010/main" xmlns="" w="9525">
                     <a:solidFill>
                       <a:srgbClr val="000000"/>
                     </a:solidFill>
@@ -12727,7 +12727,7 @@
               </a:ln>
               <a:extLst>
                 <a:ext uri="{91240B29-F687-4f45-9708-019B960494DF}">
-                  <a14:hiddenLine xmlns="" xmlns:a14="http://schemas.microsoft.com/office/drawing/2010/main" w="9525">
+                  <a14:hiddenLine xmlns:a14="http://schemas.microsoft.com/office/drawing/2010/main" xmlns="" w="9525">
                     <a:solidFill>
                       <a:srgbClr val="000000"/>
                     </a:solidFill>
@@ -12761,7 +12761,7 @@
               </a:ln>
               <a:extLst>
                 <a:ext uri="{91240B29-F687-4f45-9708-019B960494DF}">
-                  <a14:hiddenLine xmlns="" xmlns:a14="http://schemas.microsoft.com/office/drawing/2010/main" w="9525">
+                  <a14:hiddenLine xmlns:a14="http://schemas.microsoft.com/office/drawing/2010/main" xmlns="" w="9525">
                     <a:solidFill>
                       <a:srgbClr val="000000"/>
                     </a:solidFill>
@@ -12902,7 +12902,7 @@
             <a:fld id="{48A87A34-81AB-432B-8DAE-1953F412C126}" type="datetimeFigureOut">
               <a:rPr lang="en-US" smtClean="0"/>
               <a:pPr/>
-              <a:t>6/29/2019</a:t>
+              <a:t>7/1/2019</a:t>
             </a:fld>
             <a:endParaRPr lang="en-US" dirty="0"/>
           </a:p>
@@ -13391,6 +13391,36 @@
           </a:p>
         </p:txBody>
       </p:sp>
+      <p:pic>
+        <p:nvPicPr>
+          <p:cNvPr id="7" name="Picture 6">
+            <a:extLst>
+              <a:ext uri="{FF2B5EF4-FFF2-40B4-BE49-F238E27FC236}">
+                <a16:creationId xmlns:a16="http://schemas.microsoft.com/office/drawing/2014/main" id="{EE3C19F4-3272-499F-B849-1969EF009C91}"/>
+              </a:ext>
+            </a:extLst>
+          </p:cNvPr>
+          <p:cNvPicPr>
+            <a:picLocks noChangeAspect="1"/>
+          </p:cNvPicPr>
+          <p:nvPr/>
+        </p:nvPicPr>
+        <p:blipFill>
+          <a:blip r:embed="rId2"/>
+          <a:stretch>
+            <a:fillRect/>
+          </a:stretch>
+        </p:blipFill>
+        <p:spPr>
+          <a:xfrm>
+            <a:off x="11079200" y="5757588"/>
+            <a:ext cx="981735" cy="970048"/>
+          </a:xfrm>
+          <a:prstGeom prst="rect">
+            <a:avLst/>
+          </a:prstGeom>
+        </p:spPr>
+      </p:pic>
     </p:spTree>
     <p:extLst>
       <p:ext uri="{BB962C8B-B14F-4D97-AF65-F5344CB8AC3E}">
@@ -13401,13 +13431,6 @@
   <p:clrMapOvr>
     <a:masterClrMapping/>
   </p:clrMapOvr>
-  <p:timing>
-    <p:tnLst>
-      <p:par>
-        <p:cTn id="1" dur="indefinite" restart="never" nodeType="tmRoot"/>
-      </p:par>
-    </p:tnLst>
-  </p:timing>
 </p:sld>
 </file>
 
@@ -13643,6 +13666,36 @@
           </a:p>
         </p:txBody>
       </p:sp>
+      <p:pic>
+        <p:nvPicPr>
+          <p:cNvPr id="4" name="Picture 3">
+            <a:extLst>
+              <a:ext uri="{FF2B5EF4-FFF2-40B4-BE49-F238E27FC236}">
+                <a16:creationId xmlns:a16="http://schemas.microsoft.com/office/drawing/2014/main" id="{D8853081-56FB-48D1-AA8B-C841AD985E9E}"/>
+              </a:ext>
+            </a:extLst>
+          </p:cNvPr>
+          <p:cNvPicPr>
+            <a:picLocks noChangeAspect="1"/>
+          </p:cNvPicPr>
+          <p:nvPr/>
+        </p:nvPicPr>
+        <p:blipFill>
+          <a:blip r:embed="rId2"/>
+          <a:stretch>
+            <a:fillRect/>
+          </a:stretch>
+        </p:blipFill>
+        <p:spPr>
+          <a:xfrm>
+            <a:off x="11079200" y="5757588"/>
+            <a:ext cx="981735" cy="970048"/>
+          </a:xfrm>
+          <a:prstGeom prst="rect">
+            <a:avLst/>
+          </a:prstGeom>
+        </p:spPr>
+      </p:pic>
     </p:spTree>
     <p:extLst>
       <p:ext uri="{BB962C8B-B14F-4D97-AF65-F5344CB8AC3E}">
@@ -13800,6 +13853,36 @@
           </a:p>
         </p:txBody>
       </p:sp>
+      <p:pic>
+        <p:nvPicPr>
+          <p:cNvPr id="5" name="Picture 4">
+            <a:extLst>
+              <a:ext uri="{FF2B5EF4-FFF2-40B4-BE49-F238E27FC236}">
+                <a16:creationId xmlns:a16="http://schemas.microsoft.com/office/drawing/2014/main" id="{9B81355A-FB20-4EF5-B174-A8B600BF78A2}"/>
+              </a:ext>
+            </a:extLst>
+          </p:cNvPr>
+          <p:cNvPicPr>
+            <a:picLocks noChangeAspect="1"/>
+          </p:cNvPicPr>
+          <p:nvPr/>
+        </p:nvPicPr>
+        <p:blipFill>
+          <a:blip r:embed="rId2"/>
+          <a:stretch>
+            <a:fillRect/>
+          </a:stretch>
+        </p:blipFill>
+        <p:spPr>
+          <a:xfrm>
+            <a:off x="11079200" y="5757588"/>
+            <a:ext cx="981735" cy="970048"/>
+          </a:xfrm>
+          <a:prstGeom prst="rect">
+            <a:avLst/>
+          </a:prstGeom>
+        </p:spPr>
+      </p:pic>
     </p:spTree>
     <p:extLst>
       <p:ext uri="{BB962C8B-B14F-4D97-AF65-F5344CB8AC3E}">
@@ -14247,6 +14330,36 @@
           </a:p>
         </p:txBody>
       </p:sp>
+      <p:pic>
+        <p:nvPicPr>
+          <p:cNvPr id="6" name="Picture 5">
+            <a:extLst>
+              <a:ext uri="{FF2B5EF4-FFF2-40B4-BE49-F238E27FC236}">
+                <a16:creationId xmlns:a16="http://schemas.microsoft.com/office/drawing/2014/main" id="{5D836C27-AB3B-4A31-95BC-B6B917CF6324}"/>
+              </a:ext>
+            </a:extLst>
+          </p:cNvPr>
+          <p:cNvPicPr>
+            <a:picLocks noChangeAspect="1"/>
+          </p:cNvPicPr>
+          <p:nvPr/>
+        </p:nvPicPr>
+        <p:blipFill>
+          <a:blip r:embed="rId2"/>
+          <a:stretch>
+            <a:fillRect/>
+          </a:stretch>
+        </p:blipFill>
+        <p:spPr>
+          <a:xfrm>
+            <a:off x="11079200" y="5757588"/>
+            <a:ext cx="981735" cy="970048"/>
+          </a:xfrm>
+          <a:prstGeom prst="rect">
+            <a:avLst/>
+          </a:prstGeom>
+        </p:spPr>
+      </p:pic>
     </p:spTree>
     <p:extLst>
       <p:ext uri="{BB962C8B-B14F-4D97-AF65-F5344CB8AC3E}">
@@ -14403,6 +14516,36 @@
           </a:p>
         </p:txBody>
       </p:sp>
+      <p:pic>
+        <p:nvPicPr>
+          <p:cNvPr id="7" name="Picture 6">
+            <a:extLst>
+              <a:ext uri="{FF2B5EF4-FFF2-40B4-BE49-F238E27FC236}">
+                <a16:creationId xmlns:a16="http://schemas.microsoft.com/office/drawing/2014/main" id="{0513561A-FC85-4374-A7CB-F370296E99F6}"/>
+              </a:ext>
+            </a:extLst>
+          </p:cNvPr>
+          <p:cNvPicPr>
+            <a:picLocks noChangeAspect="1"/>
+          </p:cNvPicPr>
+          <p:nvPr/>
+        </p:nvPicPr>
+        <p:blipFill>
+          <a:blip r:embed="rId2"/>
+          <a:stretch>
+            <a:fillRect/>
+          </a:stretch>
+        </p:blipFill>
+        <p:spPr>
+          <a:xfrm>
+            <a:off x="11079200" y="5757588"/>
+            <a:ext cx="981735" cy="970048"/>
+          </a:xfrm>
+          <a:prstGeom prst="rect">
+            <a:avLst/>
+          </a:prstGeom>
+        </p:spPr>
+      </p:pic>
     </p:spTree>
     <p:extLst>
       <p:ext uri="{BB962C8B-B14F-4D97-AF65-F5344CB8AC3E}">
@@ -14486,15 +14629,9 @@
               <a:rPr lang="en-US" dirty="0">
                 <a:hlinkClick r:id="rId2"/>
               </a:rPr>
-              <a:t>https://</a:t>
-            </a:r>
-            <a:r>
-              <a:rPr lang="en-US" dirty="0" smtClean="0">
-                <a:hlinkClick r:id="rId2"/>
-              </a:rPr>
-              <a:t>testng.org/doc/documentation-main.html</a:t>
-            </a:r>
-            <a:endParaRPr lang="en-US" dirty="0" smtClean="0"/>
+              <a:t>https://testng.org/doc/documentation-main.html</a:t>
+            </a:r>
+            <a:endParaRPr lang="en-US" dirty="0"/>
           </a:p>
           <a:p>
             <a:r>
@@ -14507,6 +14644,36 @@
           </a:p>
         </p:txBody>
       </p:sp>
+      <p:pic>
+        <p:nvPicPr>
+          <p:cNvPr id="4" name="Picture 3">
+            <a:extLst>
+              <a:ext uri="{FF2B5EF4-FFF2-40B4-BE49-F238E27FC236}">
+                <a16:creationId xmlns:a16="http://schemas.microsoft.com/office/drawing/2014/main" id="{254F7541-9A9C-4C35-81F3-2A7CB81F6A43}"/>
+              </a:ext>
+            </a:extLst>
+          </p:cNvPr>
+          <p:cNvPicPr>
+            <a:picLocks noChangeAspect="1"/>
+          </p:cNvPicPr>
+          <p:nvPr/>
+        </p:nvPicPr>
+        <p:blipFill>
+          <a:blip r:embed="rId4"/>
+          <a:stretch>
+            <a:fillRect/>
+          </a:stretch>
+        </p:blipFill>
+        <p:spPr>
+          <a:xfrm>
+            <a:off x="11079200" y="5757588"/>
+            <a:ext cx="981735" cy="970048"/>
+          </a:xfrm>
+          <a:prstGeom prst="rect">
+            <a:avLst/>
+          </a:prstGeom>
+        </p:spPr>
+      </p:pic>
     </p:spTree>
     <p:extLst>
       <p:ext uri="{BB962C8B-B14F-4D97-AF65-F5344CB8AC3E}">
@@ -14595,6 +14762,36 @@
           </a:p>
         </p:txBody>
       </p:sp>
+      <p:pic>
+        <p:nvPicPr>
+          <p:cNvPr id="4" name="Picture 3">
+            <a:extLst>
+              <a:ext uri="{FF2B5EF4-FFF2-40B4-BE49-F238E27FC236}">
+                <a16:creationId xmlns:a16="http://schemas.microsoft.com/office/drawing/2014/main" id="{21D6F137-705A-475A-B0D9-ECA14B7A9CD2}"/>
+              </a:ext>
+            </a:extLst>
+          </p:cNvPr>
+          <p:cNvPicPr>
+            <a:picLocks noChangeAspect="1"/>
+          </p:cNvPicPr>
+          <p:nvPr/>
+        </p:nvPicPr>
+        <p:blipFill>
+          <a:blip r:embed="rId2"/>
+          <a:stretch>
+            <a:fillRect/>
+          </a:stretch>
+        </p:blipFill>
+        <p:spPr>
+          <a:xfrm>
+            <a:off x="11079200" y="5757588"/>
+            <a:ext cx="981735" cy="970048"/>
+          </a:xfrm>
+          <a:prstGeom prst="rect">
+            <a:avLst/>
+          </a:prstGeom>
+        </p:spPr>
+      </p:pic>
     </p:spTree>
     <p:extLst>
       <p:ext uri="{BB962C8B-B14F-4D97-AF65-F5344CB8AC3E}">
@@ -14769,6 +14966,36 @@
           </a:extLst>
         </p:spPr>
       </p:pic>
+      <p:pic>
+        <p:nvPicPr>
+          <p:cNvPr id="6" name="Picture 5">
+            <a:extLst>
+              <a:ext uri="{FF2B5EF4-FFF2-40B4-BE49-F238E27FC236}">
+                <a16:creationId xmlns:a16="http://schemas.microsoft.com/office/drawing/2014/main" id="{D1385D1C-72F2-4A8F-9DE9-EF6DC153AAAA}"/>
+              </a:ext>
+            </a:extLst>
+          </p:cNvPr>
+          <p:cNvPicPr>
+            <a:picLocks noChangeAspect="1"/>
+          </p:cNvPicPr>
+          <p:nvPr/>
+        </p:nvPicPr>
+        <p:blipFill>
+          <a:blip r:embed="rId4"/>
+          <a:stretch>
+            <a:fillRect/>
+          </a:stretch>
+        </p:blipFill>
+        <p:spPr>
+          <a:xfrm>
+            <a:off x="11079200" y="5757588"/>
+            <a:ext cx="981735" cy="970048"/>
+          </a:xfrm>
+          <a:prstGeom prst="rect">
+            <a:avLst/>
+          </a:prstGeom>
+        </p:spPr>
+      </p:pic>
     </p:spTree>
     <p:extLst>
       <p:ext uri="{BB962C8B-B14F-4D97-AF65-F5344CB8AC3E}">
@@ -14779,13 +15006,6 @@
   <p:clrMapOvr>
     <a:masterClrMapping/>
   </p:clrMapOvr>
-  <p:timing>
-    <p:tnLst>
-      <p:par>
-        <p:cTn id="1" dur="indefinite" restart="never" nodeType="tmRoot"/>
-      </p:par>
-    </p:tnLst>
-  </p:timing>
 </p:sld>
 </file>
 
@@ -14969,6 +15189,36 @@
           </a:extLst>
         </p:spPr>
       </p:pic>
+      <p:pic>
+        <p:nvPicPr>
+          <p:cNvPr id="6" name="Picture 5">
+            <a:extLst>
+              <a:ext uri="{FF2B5EF4-FFF2-40B4-BE49-F238E27FC236}">
+                <a16:creationId xmlns:a16="http://schemas.microsoft.com/office/drawing/2014/main" id="{1EF2452B-8CE5-4C0C-943E-3D4F9BFF3E88}"/>
+              </a:ext>
+            </a:extLst>
+          </p:cNvPr>
+          <p:cNvPicPr>
+            <a:picLocks noChangeAspect="1"/>
+          </p:cNvPicPr>
+          <p:nvPr/>
+        </p:nvPicPr>
+        <p:blipFill>
+          <a:blip r:embed="rId3"/>
+          <a:stretch>
+            <a:fillRect/>
+          </a:stretch>
+        </p:blipFill>
+        <p:spPr>
+          <a:xfrm>
+            <a:off x="11079200" y="5757588"/>
+            <a:ext cx="981735" cy="970048"/>
+          </a:xfrm>
+          <a:prstGeom prst="rect">
+            <a:avLst/>
+          </a:prstGeom>
+        </p:spPr>
+      </p:pic>
     </p:spTree>
     <p:extLst>
       <p:ext uri="{BB962C8B-B14F-4D97-AF65-F5344CB8AC3E}">
@@ -14979,13 +15229,6 @@
   <p:clrMapOvr>
     <a:masterClrMapping/>
   </p:clrMapOvr>
-  <p:timing>
-    <p:tnLst>
-      <p:par>
-        <p:cTn id="1" dur="indefinite" restart="never" nodeType="tmRoot"/>
-      </p:par>
-    </p:tnLst>
-  </p:timing>
 </p:sld>
 </file>
 
@@ -15105,6 +15348,36 @@
           </a:p>
         </p:txBody>
       </p:sp>
+      <p:pic>
+        <p:nvPicPr>
+          <p:cNvPr id="4" name="Picture 3">
+            <a:extLst>
+              <a:ext uri="{FF2B5EF4-FFF2-40B4-BE49-F238E27FC236}">
+                <a16:creationId xmlns:a16="http://schemas.microsoft.com/office/drawing/2014/main" id="{6645DAC5-2B71-4093-8E6B-D7F5F0D1B842}"/>
+              </a:ext>
+            </a:extLst>
+          </p:cNvPr>
+          <p:cNvPicPr>
+            <a:picLocks noChangeAspect="1"/>
+          </p:cNvPicPr>
+          <p:nvPr/>
+        </p:nvPicPr>
+        <p:blipFill>
+          <a:blip r:embed="rId3"/>
+          <a:stretch>
+            <a:fillRect/>
+          </a:stretch>
+        </p:blipFill>
+        <p:spPr>
+          <a:xfrm>
+            <a:off x="11079200" y="5757588"/>
+            <a:ext cx="981735" cy="970048"/>
+          </a:xfrm>
+          <a:prstGeom prst="rect">
+            <a:avLst/>
+          </a:prstGeom>
+        </p:spPr>
+      </p:pic>
     </p:spTree>
     <p:extLst>
       <p:ext uri="{BB962C8B-B14F-4D97-AF65-F5344CB8AC3E}">
@@ -15115,13 +15388,6 @@
   <p:clrMapOvr>
     <a:masterClrMapping/>
   </p:clrMapOvr>
-  <p:timing>
-    <p:tnLst>
-      <p:par>
-        <p:cTn id="1" dur="indefinite" restart="never" nodeType="tmRoot"/>
-      </p:par>
-    </p:tnLst>
-  </p:timing>
 </p:sld>
 </file>
 
@@ -15249,6 +15515,36 @@
           </a:p>
         </p:txBody>
       </p:sp>
+      <p:pic>
+        <p:nvPicPr>
+          <p:cNvPr id="4" name="Picture 3">
+            <a:extLst>
+              <a:ext uri="{FF2B5EF4-FFF2-40B4-BE49-F238E27FC236}">
+                <a16:creationId xmlns:a16="http://schemas.microsoft.com/office/drawing/2014/main" id="{619E6346-E07D-4036-8E55-0CCDB657680B}"/>
+              </a:ext>
+            </a:extLst>
+          </p:cNvPr>
+          <p:cNvPicPr>
+            <a:picLocks noChangeAspect="1"/>
+          </p:cNvPicPr>
+          <p:nvPr/>
+        </p:nvPicPr>
+        <p:blipFill>
+          <a:blip r:embed="rId3"/>
+          <a:stretch>
+            <a:fillRect/>
+          </a:stretch>
+        </p:blipFill>
+        <p:spPr>
+          <a:xfrm>
+            <a:off x="11079200" y="5757588"/>
+            <a:ext cx="981735" cy="970048"/>
+          </a:xfrm>
+          <a:prstGeom prst="rect">
+            <a:avLst/>
+          </a:prstGeom>
+        </p:spPr>
+      </p:pic>
     </p:spTree>
     <p:extLst>
       <p:ext uri="{BB962C8B-B14F-4D97-AF65-F5344CB8AC3E}">
@@ -15259,13 +15555,6 @@
   <p:clrMapOvr>
     <a:masterClrMapping/>
   </p:clrMapOvr>
-  <p:timing>
-    <p:tnLst>
-      <p:par>
-        <p:cTn id="1" dur="indefinite" restart="never" nodeType="tmRoot"/>
-      </p:par>
-    </p:tnLst>
-  </p:timing>
 </p:sld>
 </file>
 
@@ -15365,6 +15654,36 @@
           </a:extLst>
         </p:spPr>
       </p:pic>
+      <p:pic>
+        <p:nvPicPr>
+          <p:cNvPr id="4" name="Picture 3">
+            <a:extLst>
+              <a:ext uri="{FF2B5EF4-FFF2-40B4-BE49-F238E27FC236}">
+                <a16:creationId xmlns:a16="http://schemas.microsoft.com/office/drawing/2014/main" id="{9FDB9D26-F12B-49A5-92A8-8DFA8FF92CE5}"/>
+              </a:ext>
+            </a:extLst>
+          </p:cNvPr>
+          <p:cNvPicPr>
+            <a:picLocks noChangeAspect="1"/>
+          </p:cNvPicPr>
+          <p:nvPr/>
+        </p:nvPicPr>
+        <p:blipFill>
+          <a:blip r:embed="rId3"/>
+          <a:stretch>
+            <a:fillRect/>
+          </a:stretch>
+        </p:blipFill>
+        <p:spPr>
+          <a:xfrm>
+            <a:off x="11079200" y="5757588"/>
+            <a:ext cx="981735" cy="970048"/>
+          </a:xfrm>
+          <a:prstGeom prst="rect">
+            <a:avLst/>
+          </a:prstGeom>
+        </p:spPr>
+      </p:pic>
     </p:spTree>
     <p:extLst>
       <p:ext uri="{BB962C8B-B14F-4D97-AF65-F5344CB8AC3E}">
@@ -15375,13 +15694,6 @@
   <p:clrMapOvr>
     <a:masterClrMapping/>
   </p:clrMapOvr>
-  <p:timing>
-    <p:tnLst>
-      <p:par>
-        <p:cTn id="1" dur="indefinite" restart="never" nodeType="tmRoot"/>
-      </p:par>
-    </p:tnLst>
-  </p:timing>
 </p:sld>
 </file>
 
@@ -15459,7 +15771,7 @@
         <p:spPr/>
         <p:txBody>
           <a:bodyPr>
-            <a:normAutofit fontScale="85000" lnSpcReduction="20000"/>
+            <a:normAutofit fontScale="85000" lnSpcReduction="10000"/>
           </a:bodyPr>
           <a:lstStyle/>
           <a:p>
@@ -15597,6 +15909,36 @@
           </a:p>
         </p:txBody>
       </p:sp>
+      <p:pic>
+        <p:nvPicPr>
+          <p:cNvPr id="4" name="Picture 3">
+            <a:extLst>
+              <a:ext uri="{FF2B5EF4-FFF2-40B4-BE49-F238E27FC236}">
+                <a16:creationId xmlns:a16="http://schemas.microsoft.com/office/drawing/2014/main" id="{DC2EA2FA-8276-4693-886E-533BC174E01A}"/>
+              </a:ext>
+            </a:extLst>
+          </p:cNvPr>
+          <p:cNvPicPr>
+            <a:picLocks noChangeAspect="1"/>
+          </p:cNvPicPr>
+          <p:nvPr/>
+        </p:nvPicPr>
+        <p:blipFill>
+          <a:blip r:embed="rId2"/>
+          <a:stretch>
+            <a:fillRect/>
+          </a:stretch>
+        </p:blipFill>
+        <p:spPr>
+          <a:xfrm>
+            <a:off x="11079200" y="5757588"/>
+            <a:ext cx="981735" cy="970048"/>
+          </a:xfrm>
+          <a:prstGeom prst="rect">
+            <a:avLst/>
+          </a:prstGeom>
+        </p:spPr>
+      </p:pic>
     </p:spTree>
     <p:extLst>
       <p:ext uri="{BB962C8B-B14F-4D97-AF65-F5344CB8AC3E}">
@@ -15607,13 +15949,6 @@
   <p:clrMapOvr>
     <a:masterClrMapping/>
   </p:clrMapOvr>
-  <p:timing>
-    <p:tnLst>
-      <p:par>
-        <p:cTn id="1" dur="indefinite" restart="never" nodeType="tmRoot"/>
-      </p:par>
-    </p:tnLst>
-  </p:timing>
 </p:sld>
 </file>
 
@@ -15780,6 +16115,36 @@
           </a:p>
         </p:txBody>
       </p:sp>
+      <p:pic>
+        <p:nvPicPr>
+          <p:cNvPr id="4" name="Picture 3">
+            <a:extLst>
+              <a:ext uri="{FF2B5EF4-FFF2-40B4-BE49-F238E27FC236}">
+                <a16:creationId xmlns:a16="http://schemas.microsoft.com/office/drawing/2014/main" id="{E217CEAE-7556-4F23-9C11-E3C5E3538753}"/>
+              </a:ext>
+            </a:extLst>
+          </p:cNvPr>
+          <p:cNvPicPr>
+            <a:picLocks noChangeAspect="1"/>
+          </p:cNvPicPr>
+          <p:nvPr/>
+        </p:nvPicPr>
+        <p:blipFill>
+          <a:blip r:embed="rId2"/>
+          <a:stretch>
+            <a:fillRect/>
+          </a:stretch>
+        </p:blipFill>
+        <p:spPr>
+          <a:xfrm>
+            <a:off x="11079200" y="5757588"/>
+            <a:ext cx="981735" cy="970048"/>
+          </a:xfrm>
+          <a:prstGeom prst="rect">
+            <a:avLst/>
+          </a:prstGeom>
+        </p:spPr>
+      </p:pic>
     </p:spTree>
     <p:extLst>
       <p:ext uri="{BB962C8B-B14F-4D97-AF65-F5344CB8AC3E}">
@@ -15790,13 +16155,6 @@
   <p:clrMapOvr>
     <a:masterClrMapping/>
   </p:clrMapOvr>
-  <p:timing>
-    <p:tnLst>
-      <p:par>
-        <p:cTn id="1" dur="indefinite" restart="never" nodeType="tmRoot"/>
-      </p:par>
-    </p:tnLst>
-  </p:timing>
 </p:sld>
 </file>
 
@@ -15968,6 +16326,36 @@
           </a:prstGeom>
         </p:spPr>
       </p:pic>
+      <p:pic>
+        <p:nvPicPr>
+          <p:cNvPr id="5" name="Picture 4">
+            <a:extLst>
+              <a:ext uri="{FF2B5EF4-FFF2-40B4-BE49-F238E27FC236}">
+                <a16:creationId xmlns:a16="http://schemas.microsoft.com/office/drawing/2014/main" id="{6B78410D-057B-444E-9EAC-3D26B2B2BD34}"/>
+              </a:ext>
+            </a:extLst>
+          </p:cNvPr>
+          <p:cNvPicPr>
+            <a:picLocks noChangeAspect="1"/>
+          </p:cNvPicPr>
+          <p:nvPr/>
+        </p:nvPicPr>
+        <p:blipFill>
+          <a:blip r:embed="rId3"/>
+          <a:stretch>
+            <a:fillRect/>
+          </a:stretch>
+        </p:blipFill>
+        <p:spPr>
+          <a:xfrm>
+            <a:off x="11079200" y="5757588"/>
+            <a:ext cx="981735" cy="970048"/>
+          </a:xfrm>
+          <a:prstGeom prst="rect">
+            <a:avLst/>
+          </a:prstGeom>
+        </p:spPr>
+      </p:pic>
     </p:spTree>
     <p:extLst>
       <p:ext uri="{BB962C8B-B14F-4D97-AF65-F5344CB8AC3E}">
@@ -15978,13 +16366,6 @@
   <p:clrMapOvr>
     <a:masterClrMapping/>
   </p:clrMapOvr>
-  <p:timing>
-    <p:tnLst>
-      <p:par>
-        <p:cTn id="1" dur="indefinite" restart="never" nodeType="tmRoot"/>
-      </p:par>
-    </p:tnLst>
-  </p:timing>
 </p:sld>
 </file>
 
@@ -16839,6 +17220,14 @@
 </file>
 
 <file path=customXml/item2.xml><?xml version="1.0" encoding="utf-8"?>
+<p:properties xmlns:p="http://schemas.microsoft.com/office/2006/metadata/properties" xmlns:xsi="http://www.w3.org/2001/XMLSchema-instance" xmlns:pc="http://schemas.microsoft.com/office/infopath/2007/PartnerControls">
+  <documentManagement>
+    <MediaServiceKeyPoints xmlns="71af3243-3dd4-4a8d-8c0d-dd76da1f02a5" xsi:nil="true"/>
+  </documentManagement>
+</p:properties>
+</file>
+
+<file path=customXml/item3.xml><?xml version="1.0" encoding="utf-8"?>
 <ct:contentTypeSchema xmlns:ct="http://schemas.microsoft.com/office/2006/metadata/contentType" xmlns:ma="http://schemas.microsoft.com/office/2006/metadata/properties/metaAttributes" ct:_="" ma:_="" ma:contentTypeName="Document" ma:contentTypeID="0x01010079F111ED35F8CC479449609E8A0923A6" ma:contentTypeVersion="11" ma:contentTypeDescription="Create a new document." ma:contentTypeScope="" ma:versionID="96291512c1ee715ab617f4c07df79fc1">
   <xsd:schema xmlns:xsd="http://www.w3.org/2001/XMLSchema" xmlns:xs="http://www.w3.org/2001/XMLSchema" xmlns:p="http://schemas.microsoft.com/office/2006/metadata/properties" xmlns:ns2="71af3243-3dd4-4a8d-8c0d-dd76da1f02a5" xmlns:ns3="16c05727-aa75-4e4a-9b5f-8a80a1165891" targetNamespace="http://schemas.microsoft.com/office/2006/metadata/properties" ma:root="true" ma:fieldsID="8256c27c40ca5c40ce1cf6c44f0205df" ns2:_="" ns3:_="">
     <xsd:import namespace="71af3243-3dd4-4a8d-8c0d-dd76da1f02a5"/>
@@ -17049,14 +17438,6 @@
 </ct:contentTypeSchema>
 </file>
 
-<file path=customXml/item3.xml><?xml version="1.0" encoding="utf-8"?>
-<p:properties xmlns:p="http://schemas.microsoft.com/office/2006/metadata/properties" xmlns:xsi="http://www.w3.org/2001/XMLSchema-instance" xmlns:pc="http://schemas.microsoft.com/office/infopath/2007/PartnerControls">
-  <documentManagement>
-    <MediaServiceKeyPoints xmlns="71af3243-3dd4-4a8d-8c0d-dd76da1f02a5" xsi:nil="true"/>
-  </documentManagement>
-</p:properties>
-</file>
-
 <file path=customXml/itemProps1.xml><?xml version="1.0" encoding="utf-8"?>
 <ds:datastoreItem xmlns:ds="http://schemas.openxmlformats.org/officeDocument/2006/customXml" ds:itemID="{B579702B-25C7-40D7-9E29-7686B11A9660}">
   <ds:schemaRefs>
@@ -17066,6 +17447,16 @@
 </file>
 
 <file path=customXml/itemProps2.xml><?xml version="1.0" encoding="utf-8"?>
+<ds:datastoreItem xmlns:ds="http://schemas.openxmlformats.org/officeDocument/2006/customXml" ds:itemID="{E7866CFD-F94E-4AE5-ACEA-86FEC0F48A10}">
+  <ds:schemaRefs>
+    <ds:schemaRef ds:uri="http://schemas.microsoft.com/office/2006/metadata/properties"/>
+    <ds:schemaRef ds:uri="http://schemas.microsoft.com/office/infopath/2007/PartnerControls"/>
+    <ds:schemaRef ds:uri="71af3243-3dd4-4a8d-8c0d-dd76da1f02a5"/>
+  </ds:schemaRefs>
+</ds:datastoreItem>
+</file>
+
+<file path=customXml/itemProps3.xml><?xml version="1.0" encoding="utf-8"?>
 <ds:datastoreItem xmlns:ds="http://schemas.openxmlformats.org/officeDocument/2006/customXml" ds:itemID="{A7C0B241-13E5-418D-8920-D23491E2D2C0}">
   <ds:schemaRefs>
     <ds:schemaRef ds:uri="http://schemas.microsoft.com/office/2006/metadata/contentType"/>
@@ -17082,14 +17473,4 @@
     <ds:schemaRef ds:uri="http://schemas.microsoft.com/internal/obd"/>
   </ds:schemaRefs>
 </ds:datastoreItem>
-</file>
-
-<file path=customXml/itemProps3.xml><?xml version="1.0" encoding="utf-8"?>
-<ds:datastoreItem xmlns:ds="http://schemas.openxmlformats.org/officeDocument/2006/customXml" ds:itemID="{E7866CFD-F94E-4AE5-ACEA-86FEC0F48A10}">
-  <ds:schemaRefs>
-    <ds:schemaRef ds:uri="http://schemas.microsoft.com/office/2006/metadata/properties"/>
-    <ds:schemaRef ds:uri="http://schemas.microsoft.com/office/infopath/2007/PartnerControls"/>
-    <ds:schemaRef ds:uri="71af3243-3dd4-4a8d-8c0d-dd76da1f02a5"/>
-  </ds:schemaRefs>
-</ds:datastoreItem>
 </file>